--- a/reports/for RTM/RTM_SVC-implementation-presentation.pptx
+++ b/reports/for RTM/RTM_SVC-implementation-presentation.pptx
@@ -3753,11 +3753,7 @@
           <a:pPr rtl="0"/>
           <a:r>
             <a:rPr lang="fr-FR" b="1" dirty="0" smtClean="0"/>
-            <a:t>Grosse </a:t>
-          </a:r>
-          <a:r>
-            <a:rPr lang="fr-FR" b="1" dirty="0" smtClean="0"/>
-            <a:t>volume</a:t>
+            <a:t>Grosse volume</a:t>
           </a:r>
           <a:endParaRPr lang="fr-FR" dirty="0"/>
         </a:p>
@@ -5711,11 +5707,7 @@
           </a:pPr>
           <a:r>
             <a:rPr lang="fr-FR" sz="2500" b="1" kern="1200" dirty="0" smtClean="0"/>
-            <a:t>Grosse </a:t>
-          </a:r>
-          <a:r>
-            <a:rPr lang="fr-FR" sz="2500" b="1" kern="1200" dirty="0" smtClean="0"/>
-            <a:t>volume</a:t>
+            <a:t>Grosse volume</a:t>
           </a:r>
           <a:endParaRPr lang="fr-FR" sz="2500" kern="1200" dirty="0"/>
         </a:p>
@@ -13392,7 +13384,7 @@
           <a:p>
             <a:fld id="{4373B0B2-8752-4FB2-98D5-98254AC5E80D}" type="datetimeFigureOut">
               <a:rPr lang="fr-FR" smtClean="0"/>
-              <a:t>06/09/2016</a:t>
+              <a:t>13/09/2016</a:t>
             </a:fld>
             <a:endParaRPr lang="fr-FR"/>
           </a:p>
@@ -14293,28 +14285,59 @@
               <a:buChar char="-"/>
             </a:pPr>
             <a:r>
+              <a:rPr lang="fr-FR" dirty="0" smtClean="0"/>
+              <a:t>Nous</a:t>
+            </a:r>
+            <a:r>
               <a:rPr lang="fr-FR" baseline="0" dirty="0" smtClean="0"/>
-              <a:t>Des interactions/échanges de données entre le bus et le serveur</a:t>
+              <a:t> nous sommes intéressés</a:t>
             </a:r>
           </a:p>
           <a:p>
-            <a:pPr marL="171450" indent="-171450">
+            <a:pPr marL="628650" lvl="1" indent="-171450">
               <a:buFontTx/>
               <a:buChar char="-"/>
             </a:pPr>
             <a:r>
               <a:rPr lang="fr-FR" baseline="0" dirty="0" smtClean="0"/>
-              <a:t>Les moyens de communication sont variés</a:t>
+              <a:t>Communication de bout en bout </a:t>
             </a:r>
+            <a:r>
+              <a:rPr lang="fr-FR" baseline="0" dirty="0" err="1" smtClean="0"/>
+              <a:t>securisé</a:t>
+            </a:r>
+            <a:endParaRPr lang="fr-FR" baseline="0" dirty="0" smtClean="0"/>
           </a:p>
           <a:p>
-            <a:pPr marL="171450" indent="-171450">
+            <a:pPr marL="628650" lvl="1" indent="-171450">
               <a:buFontTx/>
               <a:buChar char="-"/>
             </a:pPr>
             <a:r>
+              <a:rPr lang="fr-FR" dirty="0" err="1" smtClean="0"/>
+              <a:t>Reseaux</a:t>
+            </a:r>
+            <a:r>
               <a:rPr lang="fr-FR" baseline="0" dirty="0" smtClean="0"/>
-              <a:t>Un protocole spécifique qui s’adapte à la nature de la communication</a:t>
+              <a:t> multiple</a:t>
+            </a:r>
+          </a:p>
+          <a:p>
+            <a:pPr marL="628650" lvl="1" indent="-171450">
+              <a:buFontTx/>
+              <a:buChar char="-"/>
+            </a:pPr>
+            <a:r>
+              <a:rPr lang="fr-FR" dirty="0" smtClean="0"/>
+              <a:t>Niveau de </a:t>
+            </a:r>
+            <a:r>
+              <a:rPr lang="fr-FR" smtClean="0"/>
+              <a:t>sécurité</a:t>
+            </a:r>
+            <a:r>
+              <a:rPr lang="fr-FR" baseline="0" smtClean="0"/>
+              <a:t> homogène</a:t>
             </a:r>
             <a:endParaRPr lang="fr-FR" dirty="0"/>
           </a:p>
@@ -15352,7 +15375,7 @@
           <a:p>
             <a:fld id="{DCAEBBA1-3D70-416F-B2F2-17B5F71CEF25}" type="datetimeFigureOut">
               <a:rPr lang="fr-FR" smtClean="0"/>
-              <a:t>06/09/2016</a:t>
+              <a:t>13/09/2016</a:t>
             </a:fld>
             <a:endParaRPr lang="fr-FR"/>
           </a:p>
@@ -15552,7 +15575,7 @@
           <a:p>
             <a:fld id="{DCAEBBA1-3D70-416F-B2F2-17B5F71CEF25}" type="datetimeFigureOut">
               <a:rPr lang="fr-FR" smtClean="0"/>
-              <a:t>06/09/2016</a:t>
+              <a:t>13/09/2016</a:t>
             </a:fld>
             <a:endParaRPr lang="fr-FR"/>
           </a:p>
@@ -15727,7 +15750,7 @@
           <a:p>
             <a:fld id="{DCAEBBA1-3D70-416F-B2F2-17B5F71CEF25}" type="datetimeFigureOut">
               <a:rPr lang="fr-FR" smtClean="0"/>
-              <a:t>06/09/2016</a:t>
+              <a:t>13/09/2016</a:t>
             </a:fld>
             <a:endParaRPr lang="fr-FR"/>
           </a:p>
@@ -15892,7 +15915,7 @@
           <a:p>
             <a:fld id="{DCAEBBA1-3D70-416F-B2F2-17B5F71CEF25}" type="datetimeFigureOut">
               <a:rPr lang="fr-FR" smtClean="0"/>
-              <a:t>06/09/2016</a:t>
+              <a:t>13/09/2016</a:t>
             </a:fld>
             <a:endParaRPr lang="fr-FR"/>
           </a:p>
@@ -16140,7 +16163,7 @@
           <a:p>
             <a:fld id="{DCAEBBA1-3D70-416F-B2F2-17B5F71CEF25}" type="datetimeFigureOut">
               <a:rPr lang="fr-FR" smtClean="0"/>
-              <a:t>06/09/2016</a:t>
+              <a:t>13/09/2016</a:t>
             </a:fld>
             <a:endParaRPr lang="fr-FR"/>
           </a:p>
@@ -16458,7 +16481,7 @@
           <a:p>
             <a:fld id="{DCAEBBA1-3D70-416F-B2F2-17B5F71CEF25}" type="datetimeFigureOut">
               <a:rPr lang="fr-FR" smtClean="0"/>
-              <a:t>06/09/2016</a:t>
+              <a:t>13/09/2016</a:t>
             </a:fld>
             <a:endParaRPr lang="fr-FR"/>
           </a:p>
@@ -16924,7 +16947,7 @@
           <a:p>
             <a:fld id="{DCAEBBA1-3D70-416F-B2F2-17B5F71CEF25}" type="datetimeFigureOut">
               <a:rPr lang="fr-FR" smtClean="0"/>
-              <a:t>06/09/2016</a:t>
+              <a:t>13/09/2016</a:t>
             </a:fld>
             <a:endParaRPr lang="fr-FR"/>
           </a:p>
@@ -17072,7 +17095,7 @@
           <a:p>
             <a:fld id="{DCAEBBA1-3D70-416F-B2F2-17B5F71CEF25}" type="datetimeFigureOut">
               <a:rPr lang="fr-FR" smtClean="0"/>
-              <a:t>06/09/2016</a:t>
+              <a:t>13/09/2016</a:t>
             </a:fld>
             <a:endParaRPr lang="fr-FR"/>
           </a:p>
@@ -17162,7 +17185,7 @@
           <a:p>
             <a:fld id="{DCAEBBA1-3D70-416F-B2F2-17B5F71CEF25}" type="datetimeFigureOut">
               <a:rPr lang="fr-FR" smtClean="0"/>
-              <a:t>06/09/2016</a:t>
+              <a:t>13/09/2016</a:t>
             </a:fld>
             <a:endParaRPr lang="fr-FR"/>
           </a:p>
@@ -17436,7 +17459,7 @@
           <a:p>
             <a:fld id="{DCAEBBA1-3D70-416F-B2F2-17B5F71CEF25}" type="datetimeFigureOut">
               <a:rPr lang="fr-FR" smtClean="0"/>
-              <a:t>06/09/2016</a:t>
+              <a:t>13/09/2016</a:t>
             </a:fld>
             <a:endParaRPr lang="fr-FR"/>
           </a:p>
@@ -17741,7 +17764,7 @@
           <a:p>
             <a:fld id="{DCAEBBA1-3D70-416F-B2F2-17B5F71CEF25}" type="datetimeFigureOut">
               <a:rPr lang="fr-FR" smtClean="0"/>
-              <a:t>06/09/2016</a:t>
+              <a:t>13/09/2016</a:t>
             </a:fld>
             <a:endParaRPr lang="fr-FR"/>
           </a:p>
@@ -18039,7 +18062,7 @@
           <a:p>
             <a:fld id="{DCAEBBA1-3D70-416F-B2F2-17B5F71CEF25}" type="datetimeFigureOut">
               <a:rPr lang="fr-FR" smtClean="0"/>
-              <a:t>06/09/2016</a:t>
+              <a:t>13/09/2016</a:t>
             </a:fld>
             <a:endParaRPr lang="fr-FR"/>
           </a:p>
@@ -18452,7 +18475,7 @@
           <a:lstStyle/>
           <a:p>
             <a:r>
-              <a:rPr lang="fr-FR" sz="4400" b="1" dirty="0">
+              <a:rPr lang="fr-FR" sz="4000" b="1" dirty="0" smtClean="0">
                 <a:solidFill>
                   <a:schemeClr val="accent3">
                     <a:lumMod val="75000"/>
@@ -18461,29 +18484,9 @@
                 <a:latin typeface="Avdira" pitchFamily="18" charset="0"/>
                 <a:ea typeface="Avdira" pitchFamily="18" charset="0"/>
               </a:rPr>
-              <a:t>Application du</a:t>
+              <a:t>CONCEPTION D’UN PROTOCOLE ET APPLICATION</a:t>
             </a:r>
-            <a:r>
-              <a:rPr lang="fr-FR" sz="4400" b="1" dirty="0">
-                <a:solidFill>
-                  <a:srgbClr val="C00000"/>
-                </a:solidFill>
-                <a:latin typeface="Avdira" pitchFamily="18" charset="0"/>
-                <a:ea typeface="Avdira" pitchFamily="18" charset="0"/>
-              </a:rPr>
-              <a:t> </a:t>
-            </a:r>
-            <a:r>
-              <a:rPr lang="fr-FR" sz="4400" b="1" dirty="0" smtClean="0">
-                <a:solidFill>
-                  <a:srgbClr val="C00000"/>
-                </a:solidFill>
-                <a:latin typeface="Avdira" pitchFamily="18" charset="0"/>
-                <a:ea typeface="Avdira" pitchFamily="18" charset="0"/>
-              </a:rPr>
-              <a:t>SVC</a:t>
-            </a:r>
-            <a:endParaRPr lang="fr-FR" b="1" dirty="0">
+            <a:endParaRPr lang="fr-FR" sz="4800" b="1" dirty="0">
               <a:solidFill>
                 <a:srgbClr val="C00000"/>
               </a:solidFill>
@@ -18503,13 +18506,20 @@
             <p:ph type="subTitle" idx="1"/>
           </p:nvPr>
         </p:nvSpPr>
-        <p:spPr/>
+        <p:spPr>
+          <a:xfrm>
+            <a:off x="685800" y="3505200"/>
+            <a:ext cx="7968208" cy="1752600"/>
+          </a:xfrm>
+        </p:spPr>
         <p:txBody>
-          <a:bodyPr/>
+          <a:bodyPr>
+            <a:noAutofit/>
+          </a:bodyPr>
           <a:lstStyle/>
           <a:p>
             <a:r>
-              <a:rPr lang="fr-FR" dirty="0">
+              <a:rPr lang="fr-FR" sz="4000" b="1" dirty="0" smtClean="0">
                 <a:solidFill>
                   <a:schemeClr val="bg1">
                     <a:lumMod val="50000"/>
@@ -18518,10 +18528,10 @@
                 <a:latin typeface="Calibri" pitchFamily="34" charset="0"/>
                 <a:cs typeface="Calibri" pitchFamily="34" charset="0"/>
               </a:rPr>
-              <a:t>dans la </a:t>
+              <a:t>POUR</a:t>
             </a:r>
             <a:r>
-              <a:rPr lang="fr-FR" dirty="0" smtClean="0">
+              <a:rPr lang="fr-FR" sz="4000" b="1" dirty="0" smtClean="0">
                 <a:solidFill>
                   <a:schemeClr val="bg1">
                     <a:lumMod val="50000"/>
@@ -18530,43 +18540,17 @@
                 <a:latin typeface="Calibri" pitchFamily="34" charset="0"/>
                 <a:cs typeface="Calibri" pitchFamily="34" charset="0"/>
               </a:rPr>
-              <a:t>communication d’un </a:t>
+              <a:t> LA COMMUNICATION D’UN RÉSEAU DE TRANSPORT PUBLIC (RTM)</a:t>
             </a:r>
-            <a:r>
-              <a:rPr lang="fr-FR" dirty="0">
-                <a:solidFill>
-                  <a:schemeClr val="bg1">
-                    <a:lumMod val="50000"/>
-                  </a:schemeClr>
-                </a:solidFill>
-                <a:latin typeface="Calibri" pitchFamily="34" charset="0"/>
-                <a:cs typeface="Calibri" pitchFamily="34" charset="0"/>
-              </a:rPr>
-              <a:t>réseau</a:t>
-            </a:r>
-            <a:br>
-              <a:rPr lang="fr-FR" dirty="0">
-                <a:solidFill>
-                  <a:schemeClr val="bg1">
-                    <a:lumMod val="50000"/>
-                  </a:schemeClr>
-                </a:solidFill>
-                <a:latin typeface="Calibri" pitchFamily="34" charset="0"/>
-                <a:cs typeface="Calibri" pitchFamily="34" charset="0"/>
-              </a:rPr>
-            </a:br>
-            <a:r>
-              <a:rPr lang="fr-FR" dirty="0">
-                <a:solidFill>
-                  <a:schemeClr val="bg1">
-                    <a:lumMod val="50000"/>
-                  </a:schemeClr>
-                </a:solidFill>
-                <a:latin typeface="Calibri" pitchFamily="34" charset="0"/>
-                <a:cs typeface="Calibri" pitchFamily="34" charset="0"/>
-              </a:rPr>
-              <a:t>de transport public</a:t>
-            </a:r>
+            <a:endParaRPr lang="fr-FR" sz="4000" b="1" dirty="0">
+              <a:solidFill>
+                <a:schemeClr val="bg1">
+                  <a:lumMod val="50000"/>
+                </a:schemeClr>
+              </a:solidFill>
+              <a:latin typeface="Calibri" pitchFamily="34" charset="0"/>
+              <a:cs typeface="Calibri" pitchFamily="34" charset="0"/>
+            </a:endParaRPr>
           </a:p>
         </p:txBody>
       </p:sp>
@@ -18683,13 +18667,13 @@
   <p:clrMapOvr>
     <a:masterClrMapping/>
   </p:clrMapOvr>
-  <mc:AlternateContent xmlns:mc="http://schemas.openxmlformats.org/markup-compatibility/2006">
-    <mc:Choice xmlns:p14="http://schemas.microsoft.com/office/powerpoint/2010/main" Requires="p14">
+  <mc:AlternateContent xmlns:mc="http://schemas.openxmlformats.org/markup-compatibility/2006" xmlns:p14="http://schemas.microsoft.com/office/powerpoint/2010/main">
+    <mc:Choice Requires="p14">
       <p:transition spd="med" p14:dur="700">
         <p:fade/>
       </p:transition>
     </mc:Choice>
-    <mc:Fallback>
+    <mc:Fallback xmlns="">
       <p:transition spd="med">
         <p:fade/>
       </p:transition>
@@ -18745,17 +18729,7 @@
                   </a:schemeClr>
                 </a:solidFill>
               </a:rPr>
-              <a:t>IV. </a:t>
-            </a:r>
-            <a:r>
-              <a:rPr lang="fr-FR" dirty="0" smtClean="0">
-                <a:solidFill>
-                  <a:schemeClr val="bg1">
-                    <a:lumMod val="65000"/>
-                  </a:schemeClr>
-                </a:solidFill>
-              </a:rPr>
-              <a:t>Solution</a:t>
+              <a:t>IV. Solution</a:t>
             </a:r>
             <a:endParaRPr lang="fr-FR" sz="2400" dirty="0">
               <a:solidFill>
@@ -20052,17 +20026,7 @@
                   </a:schemeClr>
                 </a:solidFill>
               </a:rPr>
-              <a:t>IV. </a:t>
-            </a:r>
-            <a:r>
-              <a:rPr lang="fr-FR" dirty="0" smtClean="0">
-                <a:solidFill>
-                  <a:schemeClr val="bg1">
-                    <a:lumMod val="65000"/>
-                  </a:schemeClr>
-                </a:solidFill>
-              </a:rPr>
-              <a:t>Solution</a:t>
+              <a:t>IV. Solution</a:t>
             </a:r>
             <a:endParaRPr lang="fr-FR" sz="2400" dirty="0">
               <a:solidFill>
@@ -22920,17 +22884,7 @@
                   </a:schemeClr>
                 </a:solidFill>
               </a:rPr>
-              <a:t>II. Etat de </a:t>
-            </a:r>
-            <a:r>
-              <a:rPr lang="fr-FR" dirty="0" smtClean="0">
-                <a:solidFill>
-                  <a:schemeClr val="bg1">
-                    <a:lumMod val="65000"/>
-                  </a:schemeClr>
-                </a:solidFill>
-              </a:rPr>
-              <a:t>l’art</a:t>
+              <a:t>II. Etat de l’art</a:t>
             </a:r>
             <a:endParaRPr lang="fr-FR" sz="2400" dirty="0">
               <a:solidFill>
@@ -23725,17 +23679,7 @@
                   </a:schemeClr>
                 </a:solidFill>
               </a:rPr>
-              <a:t>III. </a:t>
-            </a:r>
-            <a:r>
-              <a:rPr lang="fr-FR" dirty="0" smtClean="0">
-                <a:solidFill>
-                  <a:schemeClr val="bg1">
-                    <a:lumMod val="65000"/>
-                  </a:schemeClr>
-                </a:solidFill>
-              </a:rPr>
-              <a:t>Analyse</a:t>
+              <a:t>III. Analyse</a:t>
             </a:r>
             <a:endParaRPr lang="fr-FR" sz="2400" dirty="0">
               <a:solidFill>
@@ -25182,17 +25126,7 @@
                   </a:schemeClr>
                 </a:solidFill>
               </a:rPr>
-              <a:t>III. </a:t>
-            </a:r>
-            <a:r>
-              <a:rPr lang="fr-FR" dirty="0" smtClean="0">
-                <a:solidFill>
-                  <a:schemeClr val="bg1">
-                    <a:lumMod val="65000"/>
-                  </a:schemeClr>
-                </a:solidFill>
-              </a:rPr>
-              <a:t>Analyse</a:t>
+              <a:t>III. Analyse</a:t>
             </a:r>
             <a:endParaRPr lang="fr-FR" sz="2400" dirty="0">
               <a:solidFill>
@@ -25931,17 +25865,7 @@
                   </a:schemeClr>
                 </a:solidFill>
               </a:rPr>
-              <a:t>IV. </a:t>
-            </a:r>
-            <a:r>
-              <a:rPr lang="fr-FR" dirty="0" smtClean="0">
-                <a:solidFill>
-                  <a:schemeClr val="bg1">
-                    <a:lumMod val="65000"/>
-                  </a:schemeClr>
-                </a:solidFill>
-              </a:rPr>
-              <a:t>Solution</a:t>
+              <a:t>IV. Solution</a:t>
             </a:r>
             <a:endParaRPr lang="fr-FR" sz="2400" dirty="0">
               <a:solidFill>
@@ -26195,17 +26119,7 @@
                   </a:schemeClr>
                 </a:solidFill>
               </a:rPr>
-              <a:t>IV. </a:t>
-            </a:r>
-            <a:r>
-              <a:rPr lang="fr-FR" dirty="0" smtClean="0">
-                <a:solidFill>
-                  <a:schemeClr val="bg1">
-                    <a:lumMod val="65000"/>
-                  </a:schemeClr>
-                </a:solidFill>
-              </a:rPr>
-              <a:t>Solution</a:t>
+              <a:t>IV. Solution</a:t>
             </a:r>
             <a:endParaRPr lang="fr-FR" sz="2400" dirty="0">
               <a:solidFill>
@@ -26502,17 +26416,7 @@
                   </a:schemeClr>
                 </a:solidFill>
               </a:rPr>
-              <a:t>IV. </a:t>
-            </a:r>
-            <a:r>
-              <a:rPr lang="fr-FR" dirty="0" smtClean="0">
-                <a:solidFill>
-                  <a:schemeClr val="bg1">
-                    <a:lumMod val="65000"/>
-                  </a:schemeClr>
-                </a:solidFill>
-              </a:rPr>
-              <a:t>Solution</a:t>
+              <a:t>IV. Solution</a:t>
             </a:r>
             <a:endParaRPr lang="fr-FR" sz="2400" dirty="0">
               <a:solidFill>
